--- a/Documentation/ISEF/FTPChat.pptx
+++ b/Documentation/ISEF/FTPChat.pptx
@@ -5,10 +5,10 @@
     <p:sldMasterId id="2147483648" r:id="rId1"/>
   </p:sldMasterIdLst>
   <p:notesMasterIdLst>
-    <p:notesMasterId r:id="rId11"/>
+    <p:notesMasterId r:id="rId12"/>
   </p:notesMasterIdLst>
   <p:handoutMasterIdLst>
-    <p:handoutMasterId r:id="rId12"/>
+    <p:handoutMasterId r:id="rId13"/>
   </p:handoutMasterIdLst>
   <p:sldIdLst>
     <p:sldId id="256" r:id="rId3"/>
@@ -18,7 +18,8 @@
     <p:sldId id="267" r:id="rId7"/>
     <p:sldId id="268" r:id="rId8"/>
     <p:sldId id="273" r:id="rId9"/>
-    <p:sldId id="269" r:id="rId10"/>
+    <p:sldId id="276" r:id="rId10"/>
+    <p:sldId id="269" r:id="rId11"/>
   </p:sldIdLst>
   <p:sldSz cx="12192000" cy="6858000"/>
   <p:notesSz cx="6858000" cy="9144000"/>
@@ -1448,7 +1449,6 @@
             <a:spcAft>
               <a:spcPct val="35000"/>
             </a:spcAft>
-            <a:buNone/>
           </a:pPr>
           <a:r>
             <a:rPr lang="en-US"/>
@@ -1784,9 +1784,7 @@
         </a:fontRef>
       </dsp:style>
       <dsp:txBody>
-        <a:bodyPr vert="horz" wrap="square" lIns="45719" tIns="45719" rIns="45719" bIns="45719" anchor="ctr">
-          <a:normAutofit/>
-        </a:bodyPr>
+        <a:bodyPr vert="horz" wrap="square" lIns="45719" tIns="45719" rIns="45719" bIns="45719" anchor="ctr"/>
         <a:lstStyle>
           <a:lvl1pPr algn="ctr">
             <a:defRPr sz="1200"/>
@@ -1827,7 +1825,6 @@
             <a:spcAft>
               <a:spcPct val="35000"/>
             </a:spcAft>
-            <a:buNone/>
           </a:pPr>
           <a:r>
             <a:rPr lang="en-US">
@@ -4664,7 +4661,7 @@
         <p:spPr>
           <a:xfrm>
             <a:off x="6675120" y="3692525"/>
-            <a:ext cx="4788535" cy="829945"/>
+            <a:ext cx="4846320" cy="829945"/>
           </a:xfrm>
           <a:prstGeom prst="rect">
             <a:avLst/>
@@ -4679,12 +4676,12 @@
           <a:p>
             <a:pPr algn="l"/>
             <a:r>
-              <a:rPr lang="en-US" sz="4800" dirty="0" smtClean="0">
+              <a:rPr lang="en-US" sz="4800" b="1" dirty="0" smtClean="0">
                 <a:latin typeface="Microsoft JhengHei UI" panose="020B0604030504040204" pitchFamily="34" charset="-120"/>
                 <a:ea typeface="Microsoft JhengHei UI" panose="020B0604030504040204" pitchFamily="34" charset="-120"/>
                 <a:sym typeface="+mn-ea"/>
               </a:rPr>
-              <a:t>FTPChat proJect</a:t>
+              <a:t>FTPChat Project</a:t>
             </a:r>
             <a:endParaRPr lang="zh-CN" altLang="en-US" sz="4800" b="1" dirty="0" smtClean="0">
               <a:solidFill>
@@ -5113,6 +5110,43 @@
                 </a:solidFill>
               </a:rPr>
               <a:t>5. Visualizing how it works</a:t>
+            </a:r>
+            <a:endParaRPr lang="en-US" altLang="zh-CN" sz="3200" dirty="0">
+              <a:solidFill>
+                <a:srgbClr val="002F7F"/>
+              </a:solidFill>
+            </a:endParaRPr>
+          </a:p>
+        </p:txBody>
+      </p:sp>
+      <p:sp>
+        <p:nvSpPr>
+          <p:cNvPr id="9" name="文本框 5"/>
+          <p:cNvSpPr txBox="1"/>
+          <p:nvPr/>
+        </p:nvSpPr>
+        <p:spPr>
+          <a:xfrm>
+            <a:off x="1292225" y="5894705"/>
+            <a:ext cx="6066790" cy="584835"/>
+          </a:xfrm>
+          <a:prstGeom prst="rect">
+            <a:avLst/>
+          </a:prstGeom>
+          <a:noFill/>
+        </p:spPr>
+        <p:txBody>
+          <a:bodyPr wrap="square" rtlCol="0">
+            <a:noAutofit/>
+          </a:bodyPr>
+          <a:p>
+            <a:r>
+              <a:rPr lang="en-US" altLang="zh-CN" sz="3200" dirty="0">
+                <a:solidFill>
+                  <a:srgbClr val="002F7F"/>
+                </a:solidFill>
+              </a:rPr>
+              <a:t>6. Sources</a:t>
             </a:r>
             <a:endParaRPr lang="en-US" altLang="zh-CN" sz="3200" dirty="0">
               <a:solidFill>
@@ -6970,6 +7004,442 @@
 </file>
 
 <file path=ppt/slides/slide8.xml><?xml version="1.0" encoding="utf-8"?>
+<p:sld xmlns:a="http://schemas.openxmlformats.org/drawingml/2006/main" xmlns:r="http://schemas.openxmlformats.org/officeDocument/2006/relationships" xmlns:p="http://schemas.openxmlformats.org/presentationml/2006/main">
+  <p:cSld>
+    <p:spTree>
+      <p:nvGrpSpPr>
+        <p:cNvPr id="1" name=""/>
+        <p:cNvGrpSpPr/>
+        <p:nvPr/>
+      </p:nvGrpSpPr>
+      <p:grpSpPr>
+        <a:xfrm>
+          <a:off x="0" y="0"/>
+          <a:ext cx="0" cy="0"/>
+          <a:chOff x="0" y="0"/>
+          <a:chExt cx="0" cy="0"/>
+        </a:xfrm>
+      </p:grpSpPr>
+      <p:pic>
+        <p:nvPicPr>
+          <p:cNvPr id="2" name="图片 1"/>
+          <p:cNvPicPr>
+            <a:picLocks noChangeAspect="1"/>
+          </p:cNvPicPr>
+          <p:nvPr/>
+        </p:nvPicPr>
+        <p:blipFill>
+          <a:blip r:embed="rId1">
+            <a:extLst>
+              <a:ext uri="{28A0092B-C50C-407E-A947-70E740481C1C}">
+                <a14:useLocalDpi xmlns:a14="http://schemas.microsoft.com/office/drawing/2010/main" val="0"/>
+              </a:ext>
+            </a:extLst>
+          </a:blip>
+          <a:stretch>
+            <a:fillRect/>
+          </a:stretch>
+        </p:blipFill>
+        <p:spPr>
+          <a:xfrm>
+            <a:off x="0" y="0"/>
+            <a:ext cx="12192000" cy="6858000"/>
+          </a:xfrm>
+          <a:prstGeom prst="rect">
+            <a:avLst/>
+          </a:prstGeom>
+        </p:spPr>
+      </p:pic>
+      <p:sp>
+        <p:nvSpPr>
+          <p:cNvPr id="9" name="任意多边形 8"/>
+          <p:cNvSpPr/>
+          <p:nvPr/>
+        </p:nvSpPr>
+        <p:spPr>
+          <a:xfrm flipH="1" flipV="1">
+            <a:off x="3596640" y="0"/>
+            <a:ext cx="8595360" cy="6858000"/>
+          </a:xfrm>
+          <a:custGeom>
+            <a:avLst/>
+            <a:gdLst>
+              <a:gd name="connsiteX0" fmla="*/ 0 w 7362092"/>
+              <a:gd name="connsiteY0" fmla="*/ 0 h 6858000"/>
+              <a:gd name="connsiteX1" fmla="*/ 3932652 w 7362092"/>
+              <a:gd name="connsiteY1" fmla="*/ 0 h 6858000"/>
+              <a:gd name="connsiteX2" fmla="*/ 7362092 w 7362092"/>
+              <a:gd name="connsiteY2" fmla="*/ 6858000 h 6858000"/>
+              <a:gd name="connsiteX3" fmla="*/ 0 w 7362092"/>
+              <a:gd name="connsiteY3" fmla="*/ 6858000 h 6858000"/>
+            </a:gdLst>
+            <a:ahLst/>
+            <a:cxnLst>
+              <a:cxn ang="0">
+                <a:pos x="connsiteX0" y="connsiteY0"/>
+              </a:cxn>
+              <a:cxn ang="0">
+                <a:pos x="connsiteX1" y="connsiteY1"/>
+              </a:cxn>
+              <a:cxn ang="0">
+                <a:pos x="connsiteX2" y="connsiteY2"/>
+              </a:cxn>
+              <a:cxn ang="0">
+                <a:pos x="connsiteX3" y="connsiteY3"/>
+              </a:cxn>
+            </a:cxnLst>
+            <a:rect l="l" t="t" r="r" b="b"/>
+            <a:pathLst>
+              <a:path w="7362092" h="6858000">
+                <a:moveTo>
+                  <a:pt x="0" y="0"/>
+                </a:moveTo>
+                <a:lnTo>
+                  <a:pt x="3932652" y="0"/>
+                </a:lnTo>
+                <a:lnTo>
+                  <a:pt x="7362092" y="6858000"/>
+                </a:lnTo>
+                <a:lnTo>
+                  <a:pt x="0" y="6858000"/>
+                </a:lnTo>
+                <a:close/>
+              </a:path>
+            </a:pathLst>
+          </a:custGeom>
+          <a:solidFill>
+            <a:schemeClr val="tx1">
+              <a:alpha val="66000"/>
+            </a:schemeClr>
+          </a:solidFill>
+          <a:ln>
+            <a:noFill/>
+          </a:ln>
+        </p:spPr>
+        <p:style>
+          <a:lnRef idx="2">
+            <a:schemeClr val="accent1">
+              <a:shade val="50000"/>
+            </a:schemeClr>
+          </a:lnRef>
+          <a:fillRef idx="1">
+            <a:schemeClr val="accent1"/>
+          </a:fillRef>
+          <a:effectRef idx="0">
+            <a:schemeClr val="accent1"/>
+          </a:effectRef>
+          <a:fontRef idx="minor">
+            <a:schemeClr val="lt1"/>
+          </a:fontRef>
+        </p:style>
+        <p:txBody>
+          <a:bodyPr rtlCol="0" anchor="ctr"/>
+          <a:lstStyle/>
+          <a:p>
+            <a:pPr algn="ctr"/>
+            <a:endParaRPr lang="zh-CN" altLang="en-US"/>
+          </a:p>
+        </p:txBody>
+      </p:sp>
+      <p:sp>
+        <p:nvSpPr>
+          <p:cNvPr id="3" name="文本框 2"/>
+          <p:cNvSpPr txBox="1"/>
+          <p:nvPr/>
+        </p:nvSpPr>
+        <p:spPr>
+          <a:xfrm>
+            <a:off x="0" y="1373505"/>
+            <a:ext cx="12191365" cy="768350"/>
+          </a:xfrm>
+          <a:prstGeom prst="rect">
+            <a:avLst/>
+          </a:prstGeom>
+          <a:noFill/>
+        </p:spPr>
+        <p:txBody>
+          <a:bodyPr wrap="square" rtlCol="0">
+            <a:spAutoFit/>
+          </a:bodyPr>
+          <a:lstStyle/>
+          <a:p>
+            <a:pPr algn="ctr"/>
+            <a:r>
+              <a:rPr lang="en-US" sz="4400" b="1" dirty="0" smtClean="0">
+                <a:solidFill>
+                  <a:schemeClr val="bg1"/>
+                </a:solidFill>
+              </a:rPr>
+              <a:t>6. Sources</a:t>
+            </a:r>
+            <a:endParaRPr lang="en-US" altLang="en-US" sz="4400" b="1" dirty="0" smtClean="0">
+              <a:solidFill>
+                <a:schemeClr val="bg1"/>
+              </a:solidFill>
+            </a:endParaRPr>
+          </a:p>
+        </p:txBody>
+      </p:sp>
+      <p:cxnSp>
+        <p:nvCxnSpPr>
+          <p:cNvPr id="4" name="直接连接符 3"/>
+          <p:cNvCxnSpPr/>
+          <p:nvPr/>
+        </p:nvCxnSpPr>
+        <p:spPr>
+          <a:xfrm flipV="1">
+            <a:off x="-635" y="2551330"/>
+            <a:ext cx="12151995" cy="5080"/>
+          </a:xfrm>
+          <a:prstGeom prst="line">
+            <a:avLst/>
+          </a:prstGeom>
+          <a:ln w="28575">
+            <a:solidFill>
+              <a:schemeClr val="bg1"/>
+            </a:solidFill>
+          </a:ln>
+        </p:spPr>
+        <p:style>
+          <a:lnRef idx="1">
+            <a:schemeClr val="accent1"/>
+          </a:lnRef>
+          <a:fillRef idx="0">
+            <a:schemeClr val="accent1"/>
+          </a:fillRef>
+          <a:effectRef idx="0">
+            <a:schemeClr val="accent1"/>
+          </a:effectRef>
+          <a:fontRef idx="minor">
+            <a:schemeClr val="tx1"/>
+          </a:fontRef>
+        </p:style>
+      </p:cxnSp>
+      <p:sp>
+        <p:nvSpPr>
+          <p:cNvPr id="5" name="文本框 4"/>
+          <p:cNvSpPr txBox="1"/>
+          <p:nvPr/>
+        </p:nvSpPr>
+        <p:spPr>
+          <a:xfrm>
+            <a:off x="0" y="3105785"/>
+            <a:ext cx="12192000" cy="3299460"/>
+          </a:xfrm>
+          <a:prstGeom prst="rect">
+            <a:avLst/>
+          </a:prstGeom>
+          <a:noFill/>
+        </p:spPr>
+        <p:txBody>
+          <a:bodyPr wrap="square" rtlCol="0">
+            <a:noAutofit/>
+          </a:bodyPr>
+          <a:lstStyle/>
+          <a:p>
+            <a:r>
+              <a:rPr lang="en-US" altLang="en-US" dirty="0">
+                <a:solidFill>
+                  <a:schemeClr val="bg1"/>
+                </a:solidFill>
+              </a:rPr>
+              <a:t>1.Cisco: "FTP uses TCP Port 21 for control and data transfer."</a:t>
+            </a:r>
+            <a:endParaRPr lang="en-US" altLang="en-US" dirty="0">
+              <a:solidFill>
+                <a:schemeClr val="bg1"/>
+              </a:solidFill>
+            </a:endParaRPr>
+          </a:p>
+          <a:p>
+            <a:r>
+              <a:rPr lang="en-US" altLang="en-US" dirty="0">
+                <a:solidFill>
+                  <a:schemeClr val="bg1"/>
+                </a:solidFill>
+              </a:rPr>
+              <a:t>Link: </a:t>
+            </a:r>
+            <a:endParaRPr lang="en-US" altLang="en-US" dirty="0">
+              <a:solidFill>
+                <a:schemeClr val="bg1"/>
+              </a:solidFill>
+            </a:endParaRPr>
+          </a:p>
+          <a:p>
+            <a:r>
+              <a:rPr lang="en-US" altLang="en-US" dirty="0">
+                <a:solidFill>
+                  <a:schemeClr val="bg1"/>
+                </a:solidFill>
+                <a:hlinkClick r:id="rId2" action="ppaction://hlinkfile"/>
+              </a:rPr>
+              <a:t>https://www.cisco.com/c/en/us/td/docs/ios/sw_upgrades/interlink/r2_0/user/ugftpc1.html</a:t>
+            </a:r>
+            <a:endParaRPr lang="en-US" altLang="en-US" dirty="0">
+              <a:solidFill>
+                <a:schemeClr val="bg1"/>
+              </a:solidFill>
+              <a:hlinkClick r:id="rId2" action="ppaction://hlinkfile"/>
+            </a:endParaRPr>
+          </a:p>
+          <a:p>
+            <a:endParaRPr lang="en-US" altLang="en-US" dirty="0">
+              <a:solidFill>
+                <a:schemeClr val="bg1"/>
+              </a:solidFill>
+            </a:endParaRPr>
+          </a:p>
+          <a:p>
+            <a:r>
+              <a:rPr lang="en-US" altLang="en-US" dirty="0">
+                <a:solidFill>
+                  <a:schemeClr val="bg1"/>
+                </a:solidFill>
+              </a:rPr>
+              <a:t>2.Microsoft Learn: "Port 22 is used for secure file exchange over SSH."</a:t>
+            </a:r>
+            <a:endParaRPr lang="en-US" altLang="en-US" dirty="0">
+              <a:solidFill>
+                <a:schemeClr val="bg1"/>
+              </a:solidFill>
+            </a:endParaRPr>
+          </a:p>
+          <a:p>
+            <a:r>
+              <a:rPr lang="en-US" altLang="en-US" dirty="0">
+                <a:solidFill>
+                  <a:schemeClr val="bg1"/>
+                </a:solidFill>
+              </a:rPr>
+              <a:t>Link: </a:t>
+            </a:r>
+            <a:endParaRPr lang="en-US" altLang="en-US" dirty="0">
+              <a:solidFill>
+                <a:schemeClr val="bg1"/>
+              </a:solidFill>
+            </a:endParaRPr>
+          </a:p>
+          <a:p>
+            <a:r>
+              <a:rPr lang="en-US" altLang="en-US" dirty="0">
+                <a:solidFill>
+                  <a:schemeClr val="bg1"/>
+                </a:solidFill>
+                <a:hlinkClick r:id="rId2" action="ppaction://hlinkfile"/>
+              </a:rPr>
+              <a:t>https://learn.microsoft.com/en-us/troubleshoot/azure/general/secure-file-exchange-transfer-files</a:t>
+            </a:r>
+            <a:endParaRPr lang="en-US" altLang="en-US" dirty="0">
+              <a:solidFill>
+                <a:schemeClr val="bg1"/>
+              </a:solidFill>
+            </a:endParaRPr>
+          </a:p>
+          <a:p>
+            <a:endParaRPr lang="en-US" altLang="en-US" dirty="0">
+              <a:solidFill>
+                <a:schemeClr val="bg1"/>
+              </a:solidFill>
+            </a:endParaRPr>
+          </a:p>
+          <a:p>
+            <a:r>
+              <a:rPr lang="en-US" altLang="en-US" dirty="0">
+                <a:solidFill>
+                  <a:schemeClr val="bg1"/>
+                </a:solidFill>
+              </a:rPr>
+              <a:t>3.IBM Docs: "Sockets require open ports and persistent connections, which may be blocked by firewalls."</a:t>
+            </a:r>
+            <a:endParaRPr lang="en-US" altLang="en-US" dirty="0">
+              <a:solidFill>
+                <a:schemeClr val="bg1"/>
+              </a:solidFill>
+            </a:endParaRPr>
+          </a:p>
+          <a:p>
+            <a:r>
+              <a:rPr lang="en-US" altLang="en-US" dirty="0">
+                <a:solidFill>
+                  <a:schemeClr val="bg1"/>
+                </a:solidFill>
+              </a:rPr>
+              <a:t>Link: </a:t>
+            </a:r>
+            <a:endParaRPr lang="en-US" altLang="en-US" dirty="0">
+              <a:solidFill>
+                <a:schemeClr val="bg1"/>
+              </a:solidFill>
+            </a:endParaRPr>
+          </a:p>
+          <a:p>
+            <a:r>
+              <a:rPr lang="en-US" altLang="en-US" dirty="0">
+                <a:solidFill>
+                  <a:schemeClr val="bg1"/>
+                </a:solidFill>
+                <a:hlinkClick r:id="rId2" action="ppaction://hlinkfile"/>
+              </a:rPr>
+              <a:t>https://www.ibm.com/docs/en/i/7.4.0?topic=programming-how-sockets-work</a:t>
+            </a:r>
+            <a:endParaRPr lang="en-US" altLang="en-US" dirty="0">
+              <a:solidFill>
+                <a:schemeClr val="bg1"/>
+              </a:solidFill>
+            </a:endParaRPr>
+          </a:p>
+        </p:txBody>
+      </p:sp>
+      <p:pic>
+        <p:nvPicPr>
+          <p:cNvPr id="6" name="Picture 3"/>
+          <p:cNvPicPr>
+            <a:picLocks noChangeAspect="1"/>
+          </p:cNvPicPr>
+          <p:nvPr/>
+        </p:nvPicPr>
+        <p:blipFill>
+          <a:blip r:embed="rId3"/>
+          <a:stretch>
+            <a:fillRect/>
+          </a:stretch>
+        </p:blipFill>
+        <p:spPr>
+          <a:xfrm>
+            <a:off x="10093960" y="2700020"/>
+            <a:ext cx="1975485" cy="1975485"/>
+          </a:xfrm>
+          <a:prstGeom prst="rect">
+            <a:avLst/>
+          </a:prstGeom>
+          <a:noFill/>
+          <a:ln>
+            <a:noFill/>
+          </a:ln>
+        </p:spPr>
+      </p:pic>
+    </p:spTree>
+  </p:cSld>
+  <p:clrMapOvr>
+    <a:masterClrMapping/>
+  </p:clrMapOvr>
+  <mc:AlternateContent xmlns:mc="http://schemas.openxmlformats.org/markup-compatibility/2006" xmlns:p159="http://schemas.microsoft.com/office/powerpoint/2015/09/main">
+    <mc:Choice Requires="p159">
+      <p:transition xmlns:p14="http://schemas.microsoft.com/office/powerpoint/2010/main" spd="slow" p14:dur="3000">
+        <p159:morph option="byObject"/>
+      </p:transition>
+    </mc:Choice>
+    <mc:Fallback>
+      <p:transition spd="slow">
+        <p:fade/>
+      </p:transition>
+    </mc:Fallback>
+  </mc:AlternateContent>
+</p:sld>
+</file>
+
+<file path=ppt/slides/slide9.xml><?xml version="1.0" encoding="utf-8"?>
 <p:sld xmlns:a="http://schemas.openxmlformats.org/drawingml/2006/main" xmlns:r="http://schemas.openxmlformats.org/officeDocument/2006/relationships" xmlns:p="http://schemas.openxmlformats.org/presentationml/2006/main">
   <p:cSld>
     <p:spTree>
